--- a/Plotter Data.pptx
+++ b/Plotter Data.pptx
@@ -7,18 +7,20 @@
   <p:sldIdLst>
     <p:sldId id="256" r:id="rId2"/>
     <p:sldId id="257" r:id="rId3"/>
-    <p:sldId id="258" r:id="rId4"/>
-    <p:sldId id="259" r:id="rId5"/>
-    <p:sldId id="260" r:id="rId6"/>
-    <p:sldId id="261" r:id="rId7"/>
-    <p:sldId id="262" r:id="rId8"/>
-    <p:sldId id="263" r:id="rId9"/>
-    <p:sldId id="264" r:id="rId10"/>
-    <p:sldId id="265" r:id="rId11"/>
-    <p:sldId id="266" r:id="rId12"/>
-    <p:sldId id="269" r:id="rId13"/>
-    <p:sldId id="267" r:id="rId14"/>
-    <p:sldId id="268" r:id="rId15"/>
+    <p:sldId id="270" r:id="rId4"/>
+    <p:sldId id="258" r:id="rId5"/>
+    <p:sldId id="259" r:id="rId6"/>
+    <p:sldId id="260" r:id="rId7"/>
+    <p:sldId id="261" r:id="rId8"/>
+    <p:sldId id="262" r:id="rId9"/>
+    <p:sldId id="263" r:id="rId10"/>
+    <p:sldId id="264" r:id="rId11"/>
+    <p:sldId id="265" r:id="rId12"/>
+    <p:sldId id="266" r:id="rId13"/>
+    <p:sldId id="269" r:id="rId14"/>
+    <p:sldId id="267" r:id="rId15"/>
+    <p:sldId id="268" r:id="rId16"/>
+    <p:sldId id="271" r:id="rId17"/>
   </p:sldIdLst>
   <p:sldSz cx="9144000" cy="6858000" type="screen4x3"/>
   <p:notesSz cx="6858000" cy="9144000"/>
@@ -124,6 +126,7 @@
           <p14:sldIdLst>
             <p14:sldId id="256"/>
             <p14:sldId id="257"/>
+            <p14:sldId id="270"/>
             <p14:sldId id="258"/>
             <p14:sldId id="259"/>
             <p14:sldId id="260"/>
@@ -136,9 +139,24 @@
             <p14:sldId id="269"/>
             <p14:sldId id="267"/>
             <p14:sldId id="268"/>
+            <p14:sldId id="271"/>
           </p14:sldIdLst>
         </p14:section>
       </p14:sectionLst>
+    </p:ext>
+    <p:ext uri="{EFAFB233-063F-42B5-8137-9DF3F51BA10A}">
+      <p15:sldGuideLst xmlns:p15="http://schemas.microsoft.com/office/powerpoint/2012/main">
+        <p15:guide id="1" orient="horz" pos="2160">
+          <p15:clr>
+            <a:srgbClr val="A4A3A4"/>
+          </p15:clr>
+        </p15:guide>
+        <p15:guide id="2" pos="2880">
+          <p15:clr>
+            <a:srgbClr val="A4A3A4"/>
+          </p15:clr>
+        </p15:guide>
+      </p15:sldGuideLst>
     </p:ext>
   </p:extLst>
 </p:presentation>
@@ -182,10 +200,9 @@
           <a:lstStyle/>
           <a:p>
             <a:r>
-              <a:rPr lang="nl-NL" smtClean="0"/>
+              <a:rPr lang="nl-NL"/>
               <a:t>Klik om de stijl te bewerken</a:t>
             </a:r>
-            <a:endParaRPr lang="nl-NL"/>
           </a:p>
         </p:txBody>
       </p:sp>
@@ -301,10 +318,9 @@
           </a:lstStyle>
           <a:p>
             <a:r>
-              <a:rPr lang="nl-NL" smtClean="0"/>
+              <a:rPr lang="nl-NL"/>
               <a:t>Klik om de ondertitelstijl van het model te bewerken</a:t>
             </a:r>
-            <a:endParaRPr lang="nl-NL"/>
           </a:p>
         </p:txBody>
       </p:sp>
@@ -325,7 +341,7 @@
           <a:p>
             <a:fld id="{D5332AA7-22C4-426C-9106-7027F86DA97A}" type="datetimeFigureOut">
               <a:rPr lang="nl-NL" smtClean="0"/>
-              <a:t>7-6-2021</a:t>
+              <a:t>8-6-2021</a:t>
             </a:fld>
             <a:endParaRPr lang="nl-NL"/>
           </a:p>
@@ -367,7 +383,7 @@
           <a:p>
             <a:fld id="{313EC9D8-486F-4A27-B5E9-4C979DE7BB35}" type="slidenum">
               <a:rPr lang="nl-NL" smtClean="0"/>
-              <a:t>‹nr.›</a:t>
+              <a:t>‹#›</a:t>
             </a:fld>
             <a:endParaRPr lang="nl-NL"/>
           </a:p>
@@ -419,10 +435,9 @@
           <a:lstStyle/>
           <a:p>
             <a:r>
-              <a:rPr lang="nl-NL" smtClean="0"/>
+              <a:rPr lang="nl-NL"/>
               <a:t>Klik om de stijl te bewerken</a:t>
             </a:r>
-            <a:endParaRPr lang="nl-NL"/>
           </a:p>
         </p:txBody>
       </p:sp>
@@ -443,38 +458,37 @@
           <a:p>
             <a:pPr lvl="0"/>
             <a:r>
-              <a:rPr lang="nl-NL" smtClean="0"/>
+              <a:rPr lang="nl-NL"/>
               <a:t>Klik om de modelstijlen te bewerken</a:t>
             </a:r>
           </a:p>
           <a:p>
             <a:pPr lvl="1"/>
             <a:r>
-              <a:rPr lang="nl-NL" smtClean="0"/>
+              <a:rPr lang="nl-NL"/>
               <a:t>Tweede niveau</a:t>
             </a:r>
           </a:p>
           <a:p>
             <a:pPr lvl="2"/>
             <a:r>
-              <a:rPr lang="nl-NL" smtClean="0"/>
+              <a:rPr lang="nl-NL"/>
               <a:t>Derde niveau</a:t>
             </a:r>
           </a:p>
           <a:p>
             <a:pPr lvl="3"/>
             <a:r>
-              <a:rPr lang="nl-NL" smtClean="0"/>
+              <a:rPr lang="nl-NL"/>
               <a:t>Vierde niveau</a:t>
             </a:r>
           </a:p>
           <a:p>
             <a:pPr lvl="4"/>
             <a:r>
-              <a:rPr lang="nl-NL" smtClean="0"/>
+              <a:rPr lang="nl-NL"/>
               <a:t>Vijfde niveau</a:t>
             </a:r>
-            <a:endParaRPr lang="nl-NL"/>
           </a:p>
         </p:txBody>
       </p:sp>
@@ -495,7 +509,7 @@
           <a:p>
             <a:fld id="{D5332AA7-22C4-426C-9106-7027F86DA97A}" type="datetimeFigureOut">
               <a:rPr lang="nl-NL" smtClean="0"/>
-              <a:t>7-6-2021</a:t>
+              <a:t>8-6-2021</a:t>
             </a:fld>
             <a:endParaRPr lang="nl-NL"/>
           </a:p>
@@ -537,7 +551,7 @@
           <a:p>
             <a:fld id="{313EC9D8-486F-4A27-B5E9-4C979DE7BB35}" type="slidenum">
               <a:rPr lang="nl-NL" smtClean="0"/>
-              <a:t>‹nr.›</a:t>
+              <a:t>‹#›</a:t>
             </a:fld>
             <a:endParaRPr lang="nl-NL"/>
           </a:p>
@@ -594,10 +608,9 @@
           <a:lstStyle/>
           <a:p>
             <a:r>
-              <a:rPr lang="nl-NL" smtClean="0"/>
+              <a:rPr lang="nl-NL"/>
               <a:t>Klik om de stijl te bewerken</a:t>
             </a:r>
-            <a:endParaRPr lang="nl-NL"/>
           </a:p>
         </p:txBody>
       </p:sp>
@@ -623,38 +636,37 @@
           <a:p>
             <a:pPr lvl="0"/>
             <a:r>
-              <a:rPr lang="nl-NL" smtClean="0"/>
+              <a:rPr lang="nl-NL"/>
               <a:t>Klik om de modelstijlen te bewerken</a:t>
             </a:r>
           </a:p>
           <a:p>
             <a:pPr lvl="1"/>
             <a:r>
-              <a:rPr lang="nl-NL" smtClean="0"/>
+              <a:rPr lang="nl-NL"/>
               <a:t>Tweede niveau</a:t>
             </a:r>
           </a:p>
           <a:p>
             <a:pPr lvl="2"/>
             <a:r>
-              <a:rPr lang="nl-NL" smtClean="0"/>
+              <a:rPr lang="nl-NL"/>
               <a:t>Derde niveau</a:t>
             </a:r>
           </a:p>
           <a:p>
             <a:pPr lvl="3"/>
             <a:r>
-              <a:rPr lang="nl-NL" smtClean="0"/>
+              <a:rPr lang="nl-NL"/>
               <a:t>Vierde niveau</a:t>
             </a:r>
           </a:p>
           <a:p>
             <a:pPr lvl="4"/>
             <a:r>
-              <a:rPr lang="nl-NL" smtClean="0"/>
+              <a:rPr lang="nl-NL"/>
               <a:t>Vijfde niveau</a:t>
             </a:r>
-            <a:endParaRPr lang="nl-NL"/>
           </a:p>
         </p:txBody>
       </p:sp>
@@ -675,7 +687,7 @@
           <a:p>
             <a:fld id="{D5332AA7-22C4-426C-9106-7027F86DA97A}" type="datetimeFigureOut">
               <a:rPr lang="nl-NL" smtClean="0"/>
-              <a:t>7-6-2021</a:t>
+              <a:t>8-6-2021</a:t>
             </a:fld>
             <a:endParaRPr lang="nl-NL"/>
           </a:p>
@@ -717,7 +729,7 @@
           <a:p>
             <a:fld id="{313EC9D8-486F-4A27-B5E9-4C979DE7BB35}" type="slidenum">
               <a:rPr lang="nl-NL" smtClean="0"/>
-              <a:t>‹nr.›</a:t>
+              <a:t>‹#›</a:t>
             </a:fld>
             <a:endParaRPr lang="nl-NL"/>
           </a:p>
@@ -769,10 +781,9 @@
           <a:lstStyle/>
           <a:p>
             <a:r>
-              <a:rPr lang="nl-NL" smtClean="0"/>
+              <a:rPr lang="nl-NL"/>
               <a:t>Klik om de stijl te bewerken</a:t>
             </a:r>
-            <a:endParaRPr lang="nl-NL"/>
           </a:p>
         </p:txBody>
       </p:sp>
@@ -793,38 +804,37 @@
           <a:p>
             <a:pPr lvl="0"/>
             <a:r>
-              <a:rPr lang="nl-NL" smtClean="0"/>
+              <a:rPr lang="nl-NL"/>
               <a:t>Klik om de modelstijlen te bewerken</a:t>
             </a:r>
           </a:p>
           <a:p>
             <a:pPr lvl="1"/>
             <a:r>
-              <a:rPr lang="nl-NL" smtClean="0"/>
+              <a:rPr lang="nl-NL"/>
               <a:t>Tweede niveau</a:t>
             </a:r>
           </a:p>
           <a:p>
             <a:pPr lvl="2"/>
             <a:r>
-              <a:rPr lang="nl-NL" smtClean="0"/>
+              <a:rPr lang="nl-NL"/>
               <a:t>Derde niveau</a:t>
             </a:r>
           </a:p>
           <a:p>
             <a:pPr lvl="3"/>
             <a:r>
-              <a:rPr lang="nl-NL" smtClean="0"/>
+              <a:rPr lang="nl-NL"/>
               <a:t>Vierde niveau</a:t>
             </a:r>
           </a:p>
           <a:p>
             <a:pPr lvl="4"/>
             <a:r>
-              <a:rPr lang="nl-NL" smtClean="0"/>
+              <a:rPr lang="nl-NL"/>
               <a:t>Vijfde niveau</a:t>
             </a:r>
-            <a:endParaRPr lang="nl-NL"/>
           </a:p>
         </p:txBody>
       </p:sp>
@@ -845,7 +855,7 @@
           <a:p>
             <a:fld id="{D5332AA7-22C4-426C-9106-7027F86DA97A}" type="datetimeFigureOut">
               <a:rPr lang="nl-NL" smtClean="0"/>
-              <a:t>7-6-2021</a:t>
+              <a:t>8-6-2021</a:t>
             </a:fld>
             <a:endParaRPr lang="nl-NL"/>
           </a:p>
@@ -887,7 +897,7 @@
           <a:p>
             <a:fld id="{313EC9D8-486F-4A27-B5E9-4C979DE7BB35}" type="slidenum">
               <a:rPr lang="nl-NL" smtClean="0"/>
-              <a:t>‹nr.›</a:t>
+              <a:t>‹#›</a:t>
             </a:fld>
             <a:endParaRPr lang="nl-NL"/>
           </a:p>
@@ -948,10 +958,9 @@
           </a:lstStyle>
           <a:p>
             <a:r>
-              <a:rPr lang="nl-NL" smtClean="0"/>
+              <a:rPr lang="nl-NL"/>
               <a:t>Klik om de stijl te bewerken</a:t>
             </a:r>
-            <a:endParaRPr lang="nl-NL"/>
           </a:p>
         </p:txBody>
       </p:sp>
@@ -1068,7 +1077,7 @@
           <a:p>
             <a:pPr lvl="0"/>
             <a:r>
-              <a:rPr lang="nl-NL" smtClean="0"/>
+              <a:rPr lang="nl-NL"/>
               <a:t>Klik om de modelstijlen te bewerken</a:t>
             </a:r>
           </a:p>
@@ -1091,7 +1100,7 @@
           <a:p>
             <a:fld id="{D5332AA7-22C4-426C-9106-7027F86DA97A}" type="datetimeFigureOut">
               <a:rPr lang="nl-NL" smtClean="0"/>
-              <a:t>7-6-2021</a:t>
+              <a:t>8-6-2021</a:t>
             </a:fld>
             <a:endParaRPr lang="nl-NL"/>
           </a:p>
@@ -1133,7 +1142,7 @@
           <a:p>
             <a:fld id="{313EC9D8-486F-4A27-B5E9-4C979DE7BB35}" type="slidenum">
               <a:rPr lang="nl-NL" smtClean="0"/>
-              <a:t>‹nr.›</a:t>
+              <a:t>‹#›</a:t>
             </a:fld>
             <a:endParaRPr lang="nl-NL"/>
           </a:p>
@@ -1185,10 +1194,9 @@
           <a:lstStyle/>
           <a:p>
             <a:r>
-              <a:rPr lang="nl-NL" smtClean="0"/>
+              <a:rPr lang="nl-NL"/>
               <a:t>Klik om de stijl te bewerken</a:t>
             </a:r>
-            <a:endParaRPr lang="nl-NL"/>
           </a:p>
         </p:txBody>
       </p:sp>
@@ -1242,38 +1250,37 @@
           <a:p>
             <a:pPr lvl="0"/>
             <a:r>
-              <a:rPr lang="nl-NL" smtClean="0"/>
+              <a:rPr lang="nl-NL"/>
               <a:t>Klik om de modelstijlen te bewerken</a:t>
             </a:r>
           </a:p>
           <a:p>
             <a:pPr lvl="1"/>
             <a:r>
-              <a:rPr lang="nl-NL" smtClean="0"/>
+              <a:rPr lang="nl-NL"/>
               <a:t>Tweede niveau</a:t>
             </a:r>
           </a:p>
           <a:p>
             <a:pPr lvl="2"/>
             <a:r>
-              <a:rPr lang="nl-NL" smtClean="0"/>
+              <a:rPr lang="nl-NL"/>
               <a:t>Derde niveau</a:t>
             </a:r>
           </a:p>
           <a:p>
             <a:pPr lvl="3"/>
             <a:r>
-              <a:rPr lang="nl-NL" smtClean="0"/>
+              <a:rPr lang="nl-NL"/>
               <a:t>Vierde niveau</a:t>
             </a:r>
           </a:p>
           <a:p>
             <a:pPr lvl="4"/>
             <a:r>
-              <a:rPr lang="nl-NL" smtClean="0"/>
+              <a:rPr lang="nl-NL"/>
               <a:t>Vijfde niveau</a:t>
             </a:r>
-            <a:endParaRPr lang="nl-NL"/>
           </a:p>
         </p:txBody>
       </p:sp>
@@ -1327,38 +1334,37 @@
           <a:p>
             <a:pPr lvl="0"/>
             <a:r>
-              <a:rPr lang="nl-NL" smtClean="0"/>
+              <a:rPr lang="nl-NL"/>
               <a:t>Klik om de modelstijlen te bewerken</a:t>
             </a:r>
           </a:p>
           <a:p>
             <a:pPr lvl="1"/>
             <a:r>
-              <a:rPr lang="nl-NL" smtClean="0"/>
+              <a:rPr lang="nl-NL"/>
               <a:t>Tweede niveau</a:t>
             </a:r>
           </a:p>
           <a:p>
             <a:pPr lvl="2"/>
             <a:r>
-              <a:rPr lang="nl-NL" smtClean="0"/>
+              <a:rPr lang="nl-NL"/>
               <a:t>Derde niveau</a:t>
             </a:r>
           </a:p>
           <a:p>
             <a:pPr lvl="3"/>
             <a:r>
-              <a:rPr lang="nl-NL" smtClean="0"/>
+              <a:rPr lang="nl-NL"/>
               <a:t>Vierde niveau</a:t>
             </a:r>
           </a:p>
           <a:p>
             <a:pPr lvl="4"/>
             <a:r>
-              <a:rPr lang="nl-NL" smtClean="0"/>
+              <a:rPr lang="nl-NL"/>
               <a:t>Vijfde niveau</a:t>
             </a:r>
-            <a:endParaRPr lang="nl-NL"/>
           </a:p>
         </p:txBody>
       </p:sp>
@@ -1379,7 +1385,7 @@
           <a:p>
             <a:fld id="{D5332AA7-22C4-426C-9106-7027F86DA97A}" type="datetimeFigureOut">
               <a:rPr lang="nl-NL" smtClean="0"/>
-              <a:t>7-6-2021</a:t>
+              <a:t>8-6-2021</a:t>
             </a:fld>
             <a:endParaRPr lang="nl-NL"/>
           </a:p>
@@ -1421,7 +1427,7 @@
           <a:p>
             <a:fld id="{313EC9D8-486F-4A27-B5E9-4C979DE7BB35}" type="slidenum">
               <a:rPr lang="nl-NL" smtClean="0"/>
-              <a:t>‹nr.›</a:t>
+              <a:t>‹#›</a:t>
             </a:fld>
             <a:endParaRPr lang="nl-NL"/>
           </a:p>
@@ -1477,10 +1483,9 @@
           </a:lstStyle>
           <a:p>
             <a:r>
-              <a:rPr lang="nl-NL" smtClean="0"/>
+              <a:rPr lang="nl-NL"/>
               <a:t>Klik om de stijl te bewerken</a:t>
             </a:r>
-            <a:endParaRPr lang="nl-NL"/>
           </a:p>
         </p:txBody>
       </p:sp>
@@ -1543,7 +1548,7 @@
           <a:p>
             <a:pPr lvl="0"/>
             <a:r>
-              <a:rPr lang="nl-NL" smtClean="0"/>
+              <a:rPr lang="nl-NL"/>
               <a:t>Klik om de modelstijlen te bewerken</a:t>
             </a:r>
           </a:p>
@@ -1599,38 +1604,37 @@
           <a:p>
             <a:pPr lvl="0"/>
             <a:r>
-              <a:rPr lang="nl-NL" smtClean="0"/>
+              <a:rPr lang="nl-NL"/>
               <a:t>Klik om de modelstijlen te bewerken</a:t>
             </a:r>
           </a:p>
           <a:p>
             <a:pPr lvl="1"/>
             <a:r>
-              <a:rPr lang="nl-NL" smtClean="0"/>
+              <a:rPr lang="nl-NL"/>
               <a:t>Tweede niveau</a:t>
             </a:r>
           </a:p>
           <a:p>
             <a:pPr lvl="2"/>
             <a:r>
-              <a:rPr lang="nl-NL" smtClean="0"/>
+              <a:rPr lang="nl-NL"/>
               <a:t>Derde niveau</a:t>
             </a:r>
           </a:p>
           <a:p>
             <a:pPr lvl="3"/>
             <a:r>
-              <a:rPr lang="nl-NL" smtClean="0"/>
+              <a:rPr lang="nl-NL"/>
               <a:t>Vierde niveau</a:t>
             </a:r>
           </a:p>
           <a:p>
             <a:pPr lvl="4"/>
             <a:r>
-              <a:rPr lang="nl-NL" smtClean="0"/>
+              <a:rPr lang="nl-NL"/>
               <a:t>Vijfde niveau</a:t>
             </a:r>
-            <a:endParaRPr lang="nl-NL"/>
           </a:p>
         </p:txBody>
       </p:sp>
@@ -1693,7 +1697,7 @@
           <a:p>
             <a:pPr lvl="0"/>
             <a:r>
-              <a:rPr lang="nl-NL" smtClean="0"/>
+              <a:rPr lang="nl-NL"/>
               <a:t>Klik om de modelstijlen te bewerken</a:t>
             </a:r>
           </a:p>
@@ -1749,38 +1753,37 @@
           <a:p>
             <a:pPr lvl="0"/>
             <a:r>
-              <a:rPr lang="nl-NL" smtClean="0"/>
+              <a:rPr lang="nl-NL"/>
               <a:t>Klik om de modelstijlen te bewerken</a:t>
             </a:r>
           </a:p>
           <a:p>
             <a:pPr lvl="1"/>
             <a:r>
-              <a:rPr lang="nl-NL" smtClean="0"/>
+              <a:rPr lang="nl-NL"/>
               <a:t>Tweede niveau</a:t>
             </a:r>
           </a:p>
           <a:p>
             <a:pPr lvl="2"/>
             <a:r>
-              <a:rPr lang="nl-NL" smtClean="0"/>
+              <a:rPr lang="nl-NL"/>
               <a:t>Derde niveau</a:t>
             </a:r>
           </a:p>
           <a:p>
             <a:pPr lvl="3"/>
             <a:r>
-              <a:rPr lang="nl-NL" smtClean="0"/>
+              <a:rPr lang="nl-NL"/>
               <a:t>Vierde niveau</a:t>
             </a:r>
           </a:p>
           <a:p>
             <a:pPr lvl="4"/>
             <a:r>
-              <a:rPr lang="nl-NL" smtClean="0"/>
+              <a:rPr lang="nl-NL"/>
               <a:t>Vijfde niveau</a:t>
             </a:r>
-            <a:endParaRPr lang="nl-NL"/>
           </a:p>
         </p:txBody>
       </p:sp>
@@ -1801,7 +1804,7 @@
           <a:p>
             <a:fld id="{D5332AA7-22C4-426C-9106-7027F86DA97A}" type="datetimeFigureOut">
               <a:rPr lang="nl-NL" smtClean="0"/>
-              <a:t>7-6-2021</a:t>
+              <a:t>8-6-2021</a:t>
             </a:fld>
             <a:endParaRPr lang="nl-NL"/>
           </a:p>
@@ -1843,7 +1846,7 @@
           <a:p>
             <a:fld id="{313EC9D8-486F-4A27-B5E9-4C979DE7BB35}" type="slidenum">
               <a:rPr lang="nl-NL" smtClean="0"/>
-              <a:t>‹nr.›</a:t>
+              <a:t>‹#›</a:t>
             </a:fld>
             <a:endParaRPr lang="nl-NL"/>
           </a:p>
@@ -1895,10 +1898,9 @@
           <a:lstStyle/>
           <a:p>
             <a:r>
-              <a:rPr lang="nl-NL" smtClean="0"/>
+              <a:rPr lang="nl-NL"/>
               <a:t>Klik om de stijl te bewerken</a:t>
             </a:r>
-            <a:endParaRPr lang="nl-NL"/>
           </a:p>
         </p:txBody>
       </p:sp>
@@ -1919,7 +1921,7 @@
           <a:p>
             <a:fld id="{D5332AA7-22C4-426C-9106-7027F86DA97A}" type="datetimeFigureOut">
               <a:rPr lang="nl-NL" smtClean="0"/>
-              <a:t>7-6-2021</a:t>
+              <a:t>8-6-2021</a:t>
             </a:fld>
             <a:endParaRPr lang="nl-NL"/>
           </a:p>
@@ -1961,7 +1963,7 @@
           <a:p>
             <a:fld id="{313EC9D8-486F-4A27-B5E9-4C979DE7BB35}" type="slidenum">
               <a:rPr lang="nl-NL" smtClean="0"/>
-              <a:t>‹nr.›</a:t>
+              <a:t>‹#›</a:t>
             </a:fld>
             <a:endParaRPr lang="nl-NL"/>
           </a:p>
@@ -2014,7 +2016,7 @@
           <a:p>
             <a:fld id="{D5332AA7-22C4-426C-9106-7027F86DA97A}" type="datetimeFigureOut">
               <a:rPr lang="nl-NL" smtClean="0"/>
-              <a:t>7-6-2021</a:t>
+              <a:t>8-6-2021</a:t>
             </a:fld>
             <a:endParaRPr lang="nl-NL"/>
           </a:p>
@@ -2056,7 +2058,7 @@
           <a:p>
             <a:fld id="{313EC9D8-486F-4A27-B5E9-4C979DE7BB35}" type="slidenum">
               <a:rPr lang="nl-NL" smtClean="0"/>
-              <a:t>‹nr.›</a:t>
+              <a:t>‹#›</a:t>
             </a:fld>
             <a:endParaRPr lang="nl-NL"/>
           </a:p>
@@ -2117,10 +2119,9 @@
           </a:lstStyle>
           <a:p>
             <a:r>
-              <a:rPr lang="nl-NL" smtClean="0"/>
+              <a:rPr lang="nl-NL"/>
               <a:t>Klik om de stijl te bewerken</a:t>
             </a:r>
-            <a:endParaRPr lang="nl-NL"/>
           </a:p>
         </p:txBody>
       </p:sp>
@@ -2174,38 +2175,37 @@
           <a:p>
             <a:pPr lvl="0"/>
             <a:r>
-              <a:rPr lang="nl-NL" smtClean="0"/>
+              <a:rPr lang="nl-NL"/>
               <a:t>Klik om de modelstijlen te bewerken</a:t>
             </a:r>
           </a:p>
           <a:p>
             <a:pPr lvl="1"/>
             <a:r>
-              <a:rPr lang="nl-NL" smtClean="0"/>
+              <a:rPr lang="nl-NL"/>
               <a:t>Tweede niveau</a:t>
             </a:r>
           </a:p>
           <a:p>
             <a:pPr lvl="2"/>
             <a:r>
-              <a:rPr lang="nl-NL" smtClean="0"/>
+              <a:rPr lang="nl-NL"/>
               <a:t>Derde niveau</a:t>
             </a:r>
           </a:p>
           <a:p>
             <a:pPr lvl="3"/>
             <a:r>
-              <a:rPr lang="nl-NL" smtClean="0"/>
+              <a:rPr lang="nl-NL"/>
               <a:t>Vierde niveau</a:t>
             </a:r>
           </a:p>
           <a:p>
             <a:pPr lvl="4"/>
             <a:r>
-              <a:rPr lang="nl-NL" smtClean="0"/>
+              <a:rPr lang="nl-NL"/>
               <a:t>Vijfde niveau</a:t>
             </a:r>
-            <a:endParaRPr lang="nl-NL"/>
           </a:p>
         </p:txBody>
       </p:sp>
@@ -2268,7 +2268,7 @@
           <a:p>
             <a:pPr lvl="0"/>
             <a:r>
-              <a:rPr lang="nl-NL" smtClean="0"/>
+              <a:rPr lang="nl-NL"/>
               <a:t>Klik om de modelstijlen te bewerken</a:t>
             </a:r>
           </a:p>
@@ -2291,7 +2291,7 @@
           <a:p>
             <a:fld id="{D5332AA7-22C4-426C-9106-7027F86DA97A}" type="datetimeFigureOut">
               <a:rPr lang="nl-NL" smtClean="0"/>
-              <a:t>7-6-2021</a:t>
+              <a:t>8-6-2021</a:t>
             </a:fld>
             <a:endParaRPr lang="nl-NL"/>
           </a:p>
@@ -2333,7 +2333,7 @@
           <a:p>
             <a:fld id="{313EC9D8-486F-4A27-B5E9-4C979DE7BB35}" type="slidenum">
               <a:rPr lang="nl-NL" smtClean="0"/>
-              <a:t>‹nr.›</a:t>
+              <a:t>‹#›</a:t>
             </a:fld>
             <a:endParaRPr lang="nl-NL"/>
           </a:p>
@@ -2394,10 +2394,9 @@
           </a:lstStyle>
           <a:p>
             <a:r>
-              <a:rPr lang="nl-NL" smtClean="0"/>
+              <a:rPr lang="nl-NL"/>
               <a:t>Klik om de stijl te bewerken</a:t>
             </a:r>
-            <a:endParaRPr lang="nl-NL"/>
           </a:p>
         </p:txBody>
       </p:sp>
@@ -2521,7 +2520,7 @@
           <a:p>
             <a:pPr lvl="0"/>
             <a:r>
-              <a:rPr lang="nl-NL" smtClean="0"/>
+              <a:rPr lang="nl-NL"/>
               <a:t>Klik om de modelstijlen te bewerken</a:t>
             </a:r>
           </a:p>
@@ -2544,7 +2543,7 @@
           <a:p>
             <a:fld id="{D5332AA7-22C4-426C-9106-7027F86DA97A}" type="datetimeFigureOut">
               <a:rPr lang="nl-NL" smtClean="0"/>
-              <a:t>7-6-2021</a:t>
+              <a:t>8-6-2021</a:t>
             </a:fld>
             <a:endParaRPr lang="nl-NL"/>
           </a:p>
@@ -2586,7 +2585,7 @@
           <a:p>
             <a:fld id="{313EC9D8-486F-4A27-B5E9-4C979DE7BB35}" type="slidenum">
               <a:rPr lang="nl-NL" smtClean="0"/>
-              <a:t>‹nr.›</a:t>
+              <a:t>‹#›</a:t>
             </a:fld>
             <a:endParaRPr lang="nl-NL"/>
           </a:p>
@@ -2653,10 +2652,9 @@
           <a:lstStyle/>
           <a:p>
             <a:r>
-              <a:rPr lang="nl-NL" smtClean="0"/>
+              <a:rPr lang="nl-NL"/>
               <a:t>Klik om de stijl te bewerken</a:t>
             </a:r>
-            <a:endParaRPr lang="nl-NL"/>
           </a:p>
         </p:txBody>
       </p:sp>
@@ -2687,38 +2685,37 @@
           <a:p>
             <a:pPr lvl="0"/>
             <a:r>
-              <a:rPr lang="nl-NL" smtClean="0"/>
+              <a:rPr lang="nl-NL"/>
               <a:t>Klik om de modelstijlen te bewerken</a:t>
             </a:r>
           </a:p>
           <a:p>
             <a:pPr lvl="1"/>
             <a:r>
-              <a:rPr lang="nl-NL" smtClean="0"/>
+              <a:rPr lang="nl-NL"/>
               <a:t>Tweede niveau</a:t>
             </a:r>
           </a:p>
           <a:p>
             <a:pPr lvl="2"/>
             <a:r>
-              <a:rPr lang="nl-NL" smtClean="0"/>
+              <a:rPr lang="nl-NL"/>
               <a:t>Derde niveau</a:t>
             </a:r>
           </a:p>
           <a:p>
             <a:pPr lvl="3"/>
             <a:r>
-              <a:rPr lang="nl-NL" smtClean="0"/>
+              <a:rPr lang="nl-NL"/>
               <a:t>Vierde niveau</a:t>
             </a:r>
           </a:p>
           <a:p>
             <a:pPr lvl="4"/>
             <a:r>
-              <a:rPr lang="nl-NL" smtClean="0"/>
+              <a:rPr lang="nl-NL"/>
               <a:t>Vijfde niveau</a:t>
             </a:r>
-            <a:endParaRPr lang="nl-NL"/>
           </a:p>
         </p:txBody>
       </p:sp>
@@ -2757,7 +2754,7 @@
           <a:p>
             <a:fld id="{D5332AA7-22C4-426C-9106-7027F86DA97A}" type="datetimeFigureOut">
               <a:rPr lang="nl-NL" smtClean="0"/>
-              <a:t>7-6-2021</a:t>
+              <a:t>8-6-2021</a:t>
             </a:fld>
             <a:endParaRPr lang="nl-NL"/>
           </a:p>
@@ -2835,7 +2832,7 @@
           <a:p>
             <a:fld id="{313EC9D8-486F-4A27-B5E9-4C979DE7BB35}" type="slidenum">
               <a:rPr lang="nl-NL" smtClean="0"/>
-              <a:t>‹nr.›</a:t>
+              <a:t>‹#›</a:t>
             </a:fld>
             <a:endParaRPr lang="nl-NL"/>
           </a:p>
@@ -3148,7 +3145,7 @@
           <a:lstStyle/>
           <a:p>
             <a:r>
-              <a:rPr lang="en-US" dirty="0" smtClean="0"/>
+              <a:rPr lang="en-US" dirty="0"/>
               <a:t>Plotter Data</a:t>
             </a:r>
             <a:endParaRPr lang="nl-NL" dirty="0"/>
@@ -3171,18 +3168,18 @@
           <a:lstStyle/>
           <a:p>
             <a:r>
-              <a:rPr lang="en-US" dirty="0" smtClean="0"/>
+              <a:rPr lang="en-US" dirty="0"/>
               <a:t>Kurt </a:t>
             </a:r>
             <a:r>
-              <a:rPr lang="en-US" dirty="0" err="1" smtClean="0"/>
+              <a:rPr lang="en-US" dirty="0" err="1"/>
               <a:t>Peeters</a:t>
             </a:r>
             <a:endParaRPr lang="en-US" dirty="0"/>
           </a:p>
           <a:p>
             <a:r>
-              <a:rPr lang="en-US" dirty="0" smtClean="0"/>
+              <a:rPr lang="en-US" dirty="0"/>
               <a:t>IC18AOE</a:t>
             </a:r>
             <a:endParaRPr lang="nl-NL" dirty="0"/>
@@ -3235,10 +3232,172 @@
           <a:lstStyle/>
           <a:p>
             <a:r>
-              <a:rPr lang="nl-NL" dirty="0" smtClean="0"/>
+              <a:rPr lang="en-US" dirty="0"/>
+              <a:t>Plotter </a:t>
+            </a:r>
+            <a:r>
+              <a:rPr lang="en-US" dirty="0" err="1"/>
+              <a:t>aanpassen</a:t>
+            </a:r>
+            <a:endParaRPr lang="nl-NL" dirty="0"/>
+          </a:p>
+        </p:txBody>
+      </p:sp>
+      <p:pic>
+        <p:nvPicPr>
+          <p:cNvPr id="5122" name="Picture 2"/>
+          <p:cNvPicPr>
+            <a:picLocks noGrp="1" noChangeAspect="1" noChangeArrowheads="1"/>
+          </p:cNvPicPr>
+          <p:nvPr>
+            <p:ph idx="1"/>
+          </p:nvPr>
+        </p:nvPicPr>
+        <p:blipFill>
+          <a:blip r:embed="rId2">
+            <a:extLst>
+              <a:ext uri="{28A0092B-C50C-407E-A947-70E740481C1C}">
+                <a14:useLocalDpi xmlns:a14="http://schemas.microsoft.com/office/drawing/2010/main" val="0"/>
+              </a:ext>
+            </a:extLst>
+          </a:blip>
+          <a:srcRect/>
+          <a:stretch>
+            <a:fillRect/>
+          </a:stretch>
+        </p:blipFill>
+        <p:spPr bwMode="auto">
+          <a:xfrm>
+            <a:off x="457200" y="2066638"/>
+            <a:ext cx="8229600" cy="3593087"/>
+          </a:xfrm>
+          <a:prstGeom prst="rect">
+            <a:avLst/>
+          </a:prstGeom>
+          <a:noFill/>
+          <a:ln>
+            <a:noFill/>
+          </a:ln>
+          <a:effectLst/>
+          <a:extLst>
+            <a:ext uri="{909E8E84-426E-40DD-AFC4-6F175D3DCCD1}">
+              <a14:hiddenFill xmlns:a14="http://schemas.microsoft.com/office/drawing/2010/main">
+                <a:solidFill>
+                  <a:schemeClr val="accent1"/>
+                </a:solidFill>
+              </a14:hiddenFill>
+            </a:ext>
+            <a:ext uri="{91240B29-F687-4F45-9708-019B960494DF}">
+              <a14:hiddenLine xmlns:a14="http://schemas.microsoft.com/office/drawing/2010/main" w="9525">
+                <a:solidFill>
+                  <a:schemeClr val="tx1"/>
+                </a:solidFill>
+                <a:miter lim="800000"/>
+                <a:headEnd/>
+                <a:tailEnd/>
+              </a14:hiddenLine>
+            </a:ext>
+            <a:ext uri="{AF507438-7753-43E0-B8FC-AC1667EBCBE1}">
+              <a14:hiddenEffects xmlns:a14="http://schemas.microsoft.com/office/drawing/2010/main">
+                <a:effectLst>
+                  <a:outerShdw dist="35921" dir="2700000" algn="ctr" rotWithShape="0">
+                    <a:schemeClr val="bg2"/>
+                  </a:outerShdw>
+                </a:effectLst>
+              </a14:hiddenEffects>
+            </a:ext>
+          </a:extLst>
+        </p:spPr>
+      </p:pic>
+      <p:sp>
+        <p:nvSpPr>
+          <p:cNvPr id="5" name="PIJL-OMLAAG 4"/>
+          <p:cNvSpPr/>
+          <p:nvPr/>
+        </p:nvSpPr>
+        <p:spPr>
+          <a:xfrm>
+            <a:off x="7668344" y="2060848"/>
+            <a:ext cx="792088" cy="1008112"/>
+          </a:xfrm>
+          <a:prstGeom prst="downArrow">
+            <a:avLst/>
+          </a:prstGeom>
+        </p:spPr>
+        <p:style>
+          <a:lnRef idx="2">
+            <a:schemeClr val="accent1">
+              <a:shade val="50000"/>
+            </a:schemeClr>
+          </a:lnRef>
+          <a:fillRef idx="1">
+            <a:schemeClr val="accent1"/>
+          </a:fillRef>
+          <a:effectRef idx="0">
+            <a:schemeClr val="accent1"/>
+          </a:effectRef>
+          <a:fontRef idx="minor">
+            <a:schemeClr val="lt1"/>
+          </a:fontRef>
+        </p:style>
+        <p:txBody>
+          <a:bodyPr rtlCol="0" anchor="ctr"/>
+          <a:lstStyle/>
+          <a:p>
+            <a:pPr algn="ctr"/>
+            <a:endParaRPr lang="nl-NL"/>
+          </a:p>
+        </p:txBody>
+      </p:sp>
+    </p:spTree>
+    <p:extLst>
+      <p:ext uri="{BB962C8B-B14F-4D97-AF65-F5344CB8AC3E}">
+        <p14:creationId xmlns:p14="http://schemas.microsoft.com/office/powerpoint/2010/main" val="2239740549"/>
+      </p:ext>
+    </p:extLst>
+  </p:cSld>
+  <p:clrMapOvr>
+    <a:masterClrMapping/>
+  </p:clrMapOvr>
+</p:sld>
+</file>
+
+<file path=ppt/slides/slide11.xml><?xml version="1.0" encoding="utf-8"?>
+<p:sld xmlns:a="http://schemas.openxmlformats.org/drawingml/2006/main" xmlns:r="http://schemas.openxmlformats.org/officeDocument/2006/relationships" xmlns:p="http://schemas.openxmlformats.org/presentationml/2006/main">
+  <p:cSld>
+    <p:spTree>
+      <p:nvGrpSpPr>
+        <p:cNvPr id="1" name=""/>
+        <p:cNvGrpSpPr/>
+        <p:nvPr/>
+      </p:nvGrpSpPr>
+      <p:grpSpPr>
+        <a:xfrm>
+          <a:off x="0" y="0"/>
+          <a:ext cx="0" cy="0"/>
+          <a:chOff x="0" y="0"/>
+          <a:chExt cx="0" cy="0"/>
+        </a:xfrm>
+      </p:grpSpPr>
+      <p:sp>
+        <p:nvSpPr>
+          <p:cNvPr id="2" name="Titel 1"/>
+          <p:cNvSpPr>
+            <a:spLocks noGrp="1"/>
+          </p:cNvSpPr>
+          <p:nvPr>
+            <p:ph type="title"/>
+          </p:nvPr>
+        </p:nvSpPr>
+        <p:spPr/>
+        <p:txBody>
+          <a:bodyPr/>
+          <a:lstStyle/>
+          <a:p>
+            <a:r>
+              <a:rPr lang="nl-NL" dirty="0"/>
               <a:t>Plotter aanpassen</a:t>
             </a:r>
-            <a:endParaRPr lang="nl-NL" dirty="0"/>
           </a:p>
         </p:txBody>
       </p:sp>
@@ -3361,7 +3520,7 @@
 </p:sld>
 </file>
 
-<file path=ppt/slides/slide11.xml><?xml version="1.0" encoding="utf-8"?>
+<file path=ppt/slides/slide12.xml><?xml version="1.0" encoding="utf-8"?>
 <p:sld xmlns:a="http://schemas.openxmlformats.org/drawingml/2006/main" xmlns:r="http://schemas.openxmlformats.org/officeDocument/2006/relationships" xmlns:p="http://schemas.openxmlformats.org/presentationml/2006/main">
   <p:cSld>
     <p:spTree>
@@ -3394,10 +3553,9 @@
           <a:lstStyle/>
           <a:p>
             <a:r>
-              <a:rPr lang="nl-NL" dirty="0" smtClean="0"/>
+              <a:rPr lang="nl-NL" dirty="0"/>
               <a:t>Data Opsturen</a:t>
             </a:r>
-            <a:endParaRPr lang="nl-NL" dirty="0"/>
           </a:p>
         </p:txBody>
       </p:sp>
@@ -3560,89 +3718,6 @@
 </p:sld>
 </file>
 
-<file path=ppt/slides/slide12.xml><?xml version="1.0" encoding="utf-8"?>
-<p:sld xmlns:a="http://schemas.openxmlformats.org/drawingml/2006/main" xmlns:r="http://schemas.openxmlformats.org/officeDocument/2006/relationships" xmlns:p="http://schemas.openxmlformats.org/presentationml/2006/main">
-  <p:cSld>
-    <p:spTree>
-      <p:nvGrpSpPr>
-        <p:cNvPr id="1" name=""/>
-        <p:cNvGrpSpPr/>
-        <p:nvPr/>
-      </p:nvGrpSpPr>
-      <p:grpSpPr>
-        <a:xfrm>
-          <a:off x="0" y="0"/>
-          <a:ext cx="0" cy="0"/>
-          <a:chOff x="0" y="0"/>
-          <a:chExt cx="0" cy="0"/>
-        </a:xfrm>
-      </p:grpSpPr>
-      <p:sp>
-        <p:nvSpPr>
-          <p:cNvPr id="2" name="Titel 1"/>
-          <p:cNvSpPr>
-            <a:spLocks noGrp="1"/>
-          </p:cNvSpPr>
-          <p:nvPr>
-            <p:ph type="title"/>
-          </p:nvPr>
-        </p:nvSpPr>
-        <p:spPr/>
-        <p:txBody>
-          <a:bodyPr/>
-          <a:lstStyle/>
-          <a:p>
-            <a:r>
-              <a:rPr lang="nl-NL" dirty="0" smtClean="0"/>
-              <a:t>Data Opsturen</a:t>
-            </a:r>
-            <a:endParaRPr lang="nl-NL" dirty="0"/>
-          </a:p>
-        </p:txBody>
-      </p:sp>
-      <p:sp>
-        <p:nvSpPr>
-          <p:cNvPr id="3" name="Tijdelijke aanduiding voor inhoud 2"/>
-          <p:cNvSpPr>
-            <a:spLocks noGrp="1"/>
-          </p:cNvSpPr>
-          <p:nvPr>
-            <p:ph idx="1"/>
-          </p:nvPr>
-        </p:nvSpPr>
-        <p:spPr/>
-        <p:txBody>
-          <a:bodyPr/>
-          <a:lstStyle/>
-          <a:p>
-            <a:r>
-              <a:rPr lang="nl-NL" dirty="0" smtClean="0"/>
-              <a:t>Via een web interface</a:t>
-            </a:r>
-            <a:endParaRPr lang="nl-NL" dirty="0"/>
-          </a:p>
-          <a:p>
-            <a:r>
-              <a:rPr lang="nl-NL" dirty="0" err="1" smtClean="0"/>
-              <a:t>Https</a:t>
-            </a:r>
-            <a:endParaRPr lang="nl-NL" dirty="0" smtClean="0"/>
-          </a:p>
-        </p:txBody>
-      </p:sp>
-    </p:spTree>
-    <p:extLst>
-      <p:ext uri="{BB962C8B-B14F-4D97-AF65-F5344CB8AC3E}">
-        <p14:creationId xmlns:p14="http://schemas.microsoft.com/office/powerpoint/2010/main" val="914862843"/>
-      </p:ext>
-    </p:extLst>
-  </p:cSld>
-  <p:clrMapOvr>
-    <a:masterClrMapping/>
-  </p:clrMapOvr>
-</p:sld>
-</file>
-
 <file path=ppt/slides/slide13.xml><?xml version="1.0" encoding="utf-8"?>
 <p:sld xmlns:a="http://schemas.openxmlformats.org/drawingml/2006/main" xmlns:r="http://schemas.openxmlformats.org/officeDocument/2006/relationships" xmlns:p="http://schemas.openxmlformats.org/presentationml/2006/main">
   <p:cSld>
@@ -3676,10 +3751,90 @@
           <a:lstStyle/>
           <a:p>
             <a:r>
-              <a:rPr lang="nl-NL" dirty="0" smtClean="0"/>
+              <a:rPr lang="nl-NL" dirty="0"/>
+              <a:t>Data Opsturen</a:t>
+            </a:r>
+          </a:p>
+        </p:txBody>
+      </p:sp>
+      <p:sp>
+        <p:nvSpPr>
+          <p:cNvPr id="3" name="Tijdelijke aanduiding voor inhoud 2"/>
+          <p:cNvSpPr>
+            <a:spLocks noGrp="1"/>
+          </p:cNvSpPr>
+          <p:nvPr>
+            <p:ph idx="1"/>
+          </p:nvPr>
+        </p:nvSpPr>
+        <p:spPr/>
+        <p:txBody>
+          <a:bodyPr/>
+          <a:lstStyle/>
+          <a:p>
+            <a:r>
+              <a:rPr lang="nl-NL" dirty="0"/>
+              <a:t>Via een web interface</a:t>
+            </a:r>
+          </a:p>
+          <a:p>
+            <a:r>
+              <a:rPr lang="nl-NL" dirty="0" err="1"/>
+              <a:t>Https</a:t>
+            </a:r>
+            <a:endParaRPr lang="nl-NL" dirty="0"/>
+          </a:p>
+        </p:txBody>
+      </p:sp>
+    </p:spTree>
+    <p:extLst>
+      <p:ext uri="{BB962C8B-B14F-4D97-AF65-F5344CB8AC3E}">
+        <p14:creationId xmlns:p14="http://schemas.microsoft.com/office/powerpoint/2010/main" val="914862843"/>
+      </p:ext>
+    </p:extLst>
+  </p:cSld>
+  <p:clrMapOvr>
+    <a:masterClrMapping/>
+  </p:clrMapOvr>
+</p:sld>
+</file>
+
+<file path=ppt/slides/slide14.xml><?xml version="1.0" encoding="utf-8"?>
+<p:sld xmlns:a="http://schemas.openxmlformats.org/drawingml/2006/main" xmlns:r="http://schemas.openxmlformats.org/officeDocument/2006/relationships" xmlns:p="http://schemas.openxmlformats.org/presentationml/2006/main">
+  <p:cSld>
+    <p:spTree>
+      <p:nvGrpSpPr>
+        <p:cNvPr id="1" name=""/>
+        <p:cNvGrpSpPr/>
+        <p:nvPr/>
+      </p:nvGrpSpPr>
+      <p:grpSpPr>
+        <a:xfrm>
+          <a:off x="0" y="0"/>
+          <a:ext cx="0" cy="0"/>
+          <a:chOff x="0" y="0"/>
+          <a:chExt cx="0" cy="0"/>
+        </a:xfrm>
+      </p:grpSpPr>
+      <p:sp>
+        <p:nvSpPr>
+          <p:cNvPr id="2" name="Titel 1"/>
+          <p:cNvSpPr>
+            <a:spLocks noGrp="1"/>
+          </p:cNvSpPr>
+          <p:nvPr>
+            <p:ph type="title"/>
+          </p:nvPr>
+        </p:nvSpPr>
+        <p:spPr/>
+        <p:txBody>
+          <a:bodyPr/>
+          <a:lstStyle/>
+          <a:p>
+            <a:r>
+              <a:rPr lang="nl-NL" dirty="0"/>
               <a:t>Email</a:t>
             </a:r>
-            <a:endParaRPr lang="nl-NL" dirty="0"/>
           </a:p>
         </p:txBody>
       </p:sp>
@@ -3762,7 +3917,7 @@
 </p:sld>
 </file>
 
-<file path=ppt/slides/slide14.xml><?xml version="1.0" encoding="utf-8"?>
+<file path=ppt/slides/slide15.xml><?xml version="1.0" encoding="utf-8"?>
 <p:sld xmlns:a="http://schemas.openxmlformats.org/drawingml/2006/main" xmlns:r="http://schemas.openxmlformats.org/officeDocument/2006/relationships" xmlns:p="http://schemas.openxmlformats.org/presentationml/2006/main">
   <p:cSld>
     <p:spTree>
@@ -3795,10 +3950,9 @@
           <a:lstStyle/>
           <a:p>
             <a:r>
-              <a:rPr lang="nl-NL" dirty="0" smtClean="0"/>
+              <a:rPr lang="nl-NL" dirty="0"/>
               <a:t>Opgeslagen Data</a:t>
             </a:r>
-            <a:endParaRPr lang="nl-NL" dirty="0"/>
           </a:p>
         </p:txBody>
       </p:sp>
@@ -4009,6 +4163,69 @@
 </p:sld>
 </file>
 
+<file path=ppt/slides/slide16.xml><?xml version="1.0" encoding="utf-8"?>
+<p:sld xmlns:a="http://schemas.openxmlformats.org/drawingml/2006/main" xmlns:r="http://schemas.openxmlformats.org/officeDocument/2006/relationships" xmlns:p="http://schemas.openxmlformats.org/presentationml/2006/main">
+  <p:cSld>
+    <p:spTree>
+      <p:nvGrpSpPr>
+        <p:cNvPr id="1" name=""/>
+        <p:cNvGrpSpPr/>
+        <p:nvPr/>
+      </p:nvGrpSpPr>
+      <p:grpSpPr>
+        <a:xfrm>
+          <a:off x="0" y="0"/>
+          <a:ext cx="0" cy="0"/>
+          <a:chOff x="0" y="0"/>
+          <a:chExt cx="0" cy="0"/>
+        </a:xfrm>
+      </p:grpSpPr>
+      <p:pic>
+        <p:nvPicPr>
+          <p:cNvPr id="8" name="Content Placeholder 7">
+            <a:extLst>
+              <a:ext uri="{FF2B5EF4-FFF2-40B4-BE49-F238E27FC236}">
+                <a16:creationId xmlns:a16="http://schemas.microsoft.com/office/drawing/2014/main" id="{DDF7E264-853C-4C67-A405-6F959D22CE6F}"/>
+              </a:ext>
+            </a:extLst>
+          </p:cNvPr>
+          <p:cNvPicPr>
+            <a:picLocks noGrp="1" noChangeAspect="1"/>
+          </p:cNvPicPr>
+          <p:nvPr>
+            <p:ph idx="1"/>
+          </p:nvPr>
+        </p:nvPicPr>
+        <p:blipFill>
+          <a:blip r:embed="rId2"/>
+          <a:stretch>
+            <a:fillRect/>
+          </a:stretch>
+        </p:blipFill>
+        <p:spPr>
+          <a:xfrm>
+            <a:off x="2026989" y="68263"/>
+            <a:ext cx="5090022" cy="6721475"/>
+          </a:xfrm>
+          <a:prstGeom prst="rect">
+            <a:avLst/>
+          </a:prstGeom>
+          <a:noFill/>
+        </p:spPr>
+      </p:pic>
+    </p:spTree>
+    <p:extLst>
+      <p:ext uri="{BB962C8B-B14F-4D97-AF65-F5344CB8AC3E}">
+        <p14:creationId xmlns:p14="http://schemas.microsoft.com/office/powerpoint/2010/main" val="473243897"/>
+      </p:ext>
+    </p:extLst>
+  </p:cSld>
+  <p:clrMapOvr>
+    <a:masterClrMapping/>
+  </p:clrMapOvr>
+</p:sld>
+</file>
+
 <file path=ppt/slides/slide2.xml><?xml version="1.0" encoding="utf-8"?>
 <p:sld xmlns:a="http://schemas.openxmlformats.org/drawingml/2006/main" xmlns:r="http://schemas.openxmlformats.org/officeDocument/2006/relationships" xmlns:p="http://schemas.openxmlformats.org/presentationml/2006/main">
   <p:cSld>
@@ -4042,7 +4259,7 @@
           <a:lstStyle/>
           <a:p>
             <a:r>
-              <a:rPr lang="en-US" dirty="0" err="1" smtClean="0"/>
+              <a:rPr lang="en-US" dirty="0" err="1"/>
               <a:t>Inleiding</a:t>
             </a:r>
             <a:endParaRPr lang="nl-NL" dirty="0"/>
@@ -4065,33 +4282,33 @@
           <a:lstStyle/>
           <a:p>
             <a:r>
-              <a:rPr lang="en-US" dirty="0" err="1" smtClean="0"/>
+              <a:rPr lang="en-US" dirty="0" err="1"/>
               <a:t>Onderzoek</a:t>
             </a:r>
             <a:r>
-              <a:rPr lang="en-US" dirty="0" smtClean="0"/>
+              <a:rPr lang="en-US" dirty="0"/>
               <a:t> </a:t>
             </a:r>
             <a:r>
-              <a:rPr lang="en-US" dirty="0" err="1" smtClean="0"/>
+              <a:rPr lang="en-US" dirty="0" err="1"/>
               <a:t>doen</a:t>
             </a:r>
-            <a:endParaRPr lang="en-US" dirty="0" smtClean="0"/>
-          </a:p>
-          <a:p>
-            <a:r>
-              <a:rPr lang="en-US" dirty="0" err="1" smtClean="0"/>
-              <a:t>Pbv</a:t>
-            </a:r>
-            <a:r>
-              <a:rPr lang="en-US" dirty="0" smtClean="0"/>
+            <a:endParaRPr lang="en-US" dirty="0"/>
+          </a:p>
+          <a:p>
+            <a:r>
+              <a:rPr lang="en-US" dirty="0" err="1"/>
+              <a:t>PvB</a:t>
+            </a:r>
+            <a:r>
+              <a:rPr lang="en-US" dirty="0"/>
               <a:t> </a:t>
             </a:r>
             <a:r>
-              <a:rPr lang="en-US" dirty="0" err="1" smtClean="0"/>
+              <a:rPr lang="en-US" dirty="0" err="1"/>
               <a:t>opdracht</a:t>
             </a:r>
-            <a:endParaRPr lang="en-US" dirty="0" smtClean="0"/>
+            <a:endParaRPr lang="en-US" dirty="0"/>
           </a:p>
           <a:p>
             <a:endParaRPr lang="nl-NL" dirty="0"/>
@@ -4130,6 +4347,131 @@
       </p:grpSpPr>
       <p:sp>
         <p:nvSpPr>
+          <p:cNvPr id="2" name="Title 1">
+            <a:extLst>
+              <a:ext uri="{FF2B5EF4-FFF2-40B4-BE49-F238E27FC236}">
+                <a16:creationId xmlns:a16="http://schemas.microsoft.com/office/drawing/2014/main" id="{69FBCE55-D3A8-4A98-94A7-3032662C7358}"/>
+              </a:ext>
+            </a:extLst>
+          </p:cNvPr>
+          <p:cNvSpPr>
+            <a:spLocks noGrp="1"/>
+          </p:cNvSpPr>
+          <p:nvPr>
+            <p:ph type="title"/>
+          </p:nvPr>
+        </p:nvSpPr>
+        <p:spPr/>
+        <p:txBody>
+          <a:bodyPr/>
+          <a:lstStyle/>
+          <a:p>
+            <a:r>
+              <a:rPr lang="en-US" dirty="0" err="1"/>
+              <a:t>Waarom</a:t>
+            </a:r>
+            <a:r>
+              <a:rPr lang="en-US" dirty="0"/>
+              <a:t>?</a:t>
+            </a:r>
+            <a:endParaRPr lang="en-GB" dirty="0"/>
+          </a:p>
+        </p:txBody>
+      </p:sp>
+      <p:sp>
+        <p:nvSpPr>
+          <p:cNvPr id="3" name="Content Placeholder 2">
+            <a:extLst>
+              <a:ext uri="{FF2B5EF4-FFF2-40B4-BE49-F238E27FC236}">
+                <a16:creationId xmlns:a16="http://schemas.microsoft.com/office/drawing/2014/main" id="{B74C10E6-2842-4F24-8557-447EF711427B}"/>
+              </a:ext>
+            </a:extLst>
+          </p:cNvPr>
+          <p:cNvSpPr>
+            <a:spLocks noGrp="1"/>
+          </p:cNvSpPr>
+          <p:nvPr>
+            <p:ph idx="1"/>
+          </p:nvPr>
+        </p:nvSpPr>
+        <p:spPr/>
+        <p:txBody>
+          <a:bodyPr/>
+          <a:lstStyle/>
+          <a:p>
+            <a:r>
+              <a:rPr lang="en-US" dirty="0" err="1"/>
+              <a:t>Nog</a:t>
+            </a:r>
+            <a:r>
+              <a:rPr lang="en-US" dirty="0"/>
+              <a:t> </a:t>
+            </a:r>
+            <a:r>
+              <a:rPr lang="en-US" dirty="0" err="1"/>
+              <a:t>geen</a:t>
+            </a:r>
+            <a:r>
+              <a:rPr lang="en-US" dirty="0"/>
+              <a:t> </a:t>
+            </a:r>
+            <a:r>
+              <a:rPr lang="en-US" dirty="0" err="1"/>
+              <a:t>ander</a:t>
+            </a:r>
+            <a:r>
+              <a:rPr lang="en-US" dirty="0"/>
+              <a:t> product</a:t>
+            </a:r>
+          </a:p>
+          <a:p>
+            <a:r>
+              <a:rPr lang="en-GB" dirty="0"/>
+              <a:t>Meer </a:t>
+            </a:r>
+            <a:r>
+              <a:rPr lang="en-GB" dirty="0" err="1"/>
+              <a:t>mogelijkheden</a:t>
+            </a:r>
+            <a:endParaRPr lang="en-GB" dirty="0"/>
+          </a:p>
+          <a:p>
+            <a:endParaRPr lang="en-GB" dirty="0"/>
+          </a:p>
+        </p:txBody>
+      </p:sp>
+    </p:spTree>
+    <p:extLst>
+      <p:ext uri="{BB962C8B-B14F-4D97-AF65-F5344CB8AC3E}">
+        <p14:creationId xmlns:p14="http://schemas.microsoft.com/office/powerpoint/2010/main" val="3775459733"/>
+      </p:ext>
+    </p:extLst>
+  </p:cSld>
+  <p:clrMapOvr>
+    <a:masterClrMapping/>
+  </p:clrMapOvr>
+</p:sld>
+</file>
+
+<file path=ppt/slides/slide4.xml><?xml version="1.0" encoding="utf-8"?>
+<p:sld xmlns:a="http://schemas.openxmlformats.org/drawingml/2006/main" xmlns:r="http://schemas.openxmlformats.org/officeDocument/2006/relationships" xmlns:p="http://schemas.openxmlformats.org/presentationml/2006/main">
+  <p:cSld>
+    <p:spTree>
+      <p:nvGrpSpPr>
+        <p:cNvPr id="1" name=""/>
+        <p:cNvGrpSpPr/>
+        <p:nvPr/>
+      </p:nvGrpSpPr>
+      <p:grpSpPr>
+        <a:xfrm>
+          <a:off x="0" y="0"/>
+          <a:ext cx="0" cy="0"/>
+          <a:chOff x="0" y="0"/>
+          <a:chExt cx="0" cy="0"/>
+        </a:xfrm>
+      </p:grpSpPr>
+      <p:sp>
+        <p:nvSpPr>
           <p:cNvPr id="2" name="Titel 1"/>
           <p:cNvSpPr>
             <a:spLocks noGrp="1"/>
@@ -4144,7 +4486,7 @@
           <a:lstStyle/>
           <a:p>
             <a:r>
-              <a:rPr lang="en-US" dirty="0" err="1" smtClean="0"/>
+              <a:rPr lang="en-US" dirty="0" err="1"/>
               <a:t>Eisen</a:t>
             </a:r>
             <a:endParaRPr lang="nl-NL" dirty="0"/>
@@ -4167,117 +4509,117 @@
           <a:lstStyle/>
           <a:p>
             <a:r>
-              <a:rPr lang="en-US" dirty="0" err="1" smtClean="0"/>
+              <a:rPr lang="en-US" dirty="0" err="1"/>
               <a:t>Programma</a:t>
             </a:r>
             <a:r>
-              <a:rPr lang="en-US" dirty="0" smtClean="0"/>
+              <a:rPr lang="en-US" dirty="0"/>
               <a:t> </a:t>
             </a:r>
             <a:r>
-              <a:rPr lang="en-US" dirty="0" err="1" smtClean="0"/>
+              <a:rPr lang="en-US" dirty="0" err="1"/>
               <a:t>waarmee</a:t>
             </a:r>
             <a:r>
-              <a:rPr lang="en-US" dirty="0" smtClean="0"/>
+              <a:rPr lang="en-US" dirty="0"/>
               <a:t> plotter </a:t>
             </a:r>
             <a:r>
-              <a:rPr lang="en-US" dirty="0" err="1" smtClean="0"/>
+              <a:rPr lang="en-US" dirty="0" err="1"/>
               <a:t>informatie</a:t>
             </a:r>
             <a:r>
-              <a:rPr lang="en-US" dirty="0" smtClean="0"/>
+              <a:rPr lang="en-US" dirty="0"/>
               <a:t> word </a:t>
             </a:r>
             <a:r>
-              <a:rPr lang="en-US" dirty="0" err="1" smtClean="0"/>
+              <a:rPr lang="en-US" dirty="0" err="1"/>
               <a:t>uitgelezen</a:t>
             </a:r>
             <a:r>
-              <a:rPr lang="en-US" dirty="0" smtClean="0"/>
+              <a:rPr lang="en-US" dirty="0"/>
               <a:t> </a:t>
             </a:r>
             <a:r>
-              <a:rPr lang="en-US" dirty="0" err="1" smtClean="0"/>
+              <a:rPr lang="en-US" dirty="0" err="1"/>
               <a:t>en</a:t>
             </a:r>
             <a:r>
-              <a:rPr lang="en-US" dirty="0" smtClean="0"/>
+              <a:rPr lang="en-US" dirty="0"/>
               <a:t> </a:t>
             </a:r>
             <a:r>
-              <a:rPr lang="en-US" dirty="0" err="1" smtClean="0"/>
+              <a:rPr lang="en-US" dirty="0" err="1"/>
               <a:t>verzonden</a:t>
             </a:r>
             <a:r>
-              <a:rPr lang="en-US" dirty="0" smtClean="0"/>
+              <a:rPr lang="en-US" dirty="0"/>
               <a:t> word </a:t>
             </a:r>
             <a:r>
-              <a:rPr lang="en-US" dirty="0" err="1" smtClean="0"/>
+              <a:rPr lang="en-US" dirty="0" err="1"/>
               <a:t>naar</a:t>
             </a:r>
             <a:r>
-              <a:rPr lang="en-US" dirty="0" smtClean="0"/>
+              <a:rPr lang="en-US" dirty="0"/>
               <a:t> Goedhart Repro</a:t>
             </a:r>
           </a:p>
           <a:p>
             <a:r>
-              <a:rPr lang="en-US" dirty="0" err="1" smtClean="0"/>
+              <a:rPr lang="en-US" dirty="0" err="1"/>
               <a:t>Tellerstand</a:t>
             </a:r>
             <a:r>
-              <a:rPr lang="en-US" dirty="0" smtClean="0"/>
+              <a:rPr lang="en-US" dirty="0"/>
               <a:t>, ink cartridges, </a:t>
             </a:r>
             <a:r>
-              <a:rPr lang="en-US" dirty="0" err="1" smtClean="0"/>
+              <a:rPr lang="en-US" dirty="0" err="1"/>
               <a:t>Eventuele</a:t>
             </a:r>
             <a:r>
-              <a:rPr lang="en-US" dirty="0" smtClean="0"/>
+              <a:rPr lang="en-US" dirty="0"/>
               <a:t> </a:t>
             </a:r>
             <a:r>
-              <a:rPr lang="en-US" dirty="0" err="1" smtClean="0"/>
+              <a:rPr lang="en-US" dirty="0" err="1"/>
               <a:t>storingen</a:t>
             </a:r>
-            <a:endParaRPr lang="en-US" dirty="0" smtClean="0"/>
-          </a:p>
-          <a:p>
-            <a:r>
-              <a:rPr lang="en-US" dirty="0" smtClean="0"/>
+            <a:endParaRPr lang="en-US" dirty="0"/>
+          </a:p>
+          <a:p>
+            <a:r>
+              <a:rPr lang="en-US" dirty="0"/>
               <a:t>Data </a:t>
             </a:r>
             <a:r>
-              <a:rPr lang="en-US" dirty="0" err="1" smtClean="0"/>
+              <a:rPr lang="en-US" dirty="0" err="1"/>
               <a:t>opsturen</a:t>
             </a:r>
             <a:r>
-              <a:rPr lang="en-US" dirty="0" smtClean="0"/>
+              <a:rPr lang="en-US" dirty="0"/>
               <a:t> via https of http</a:t>
             </a:r>
           </a:p>
           <a:p>
             <a:r>
-              <a:rPr lang="en-US" dirty="0" err="1" smtClean="0"/>
+              <a:rPr lang="en-US" dirty="0" err="1"/>
               <a:t>Mogelijkheid</a:t>
             </a:r>
             <a:r>
-              <a:rPr lang="en-US" dirty="0" smtClean="0"/>
+              <a:rPr lang="en-US" dirty="0"/>
               <a:t> </a:t>
             </a:r>
             <a:r>
-              <a:rPr lang="en-US" dirty="0" err="1" smtClean="0"/>
+              <a:rPr lang="en-US" dirty="0" err="1"/>
               <a:t>voor</a:t>
             </a:r>
             <a:r>
-              <a:rPr lang="en-US" dirty="0" smtClean="0"/>
+              <a:rPr lang="en-US" dirty="0"/>
               <a:t> mail</a:t>
             </a:r>
-            <a:endParaRPr lang="nl-NL" dirty="0" smtClean="0"/>
+            <a:endParaRPr lang="nl-NL" dirty="0"/>
           </a:p>
           <a:p>
             <a:endParaRPr lang="nl-NL" dirty="0"/>
@@ -4297,7 +4639,7 @@
 </p:sld>
 </file>
 
-<file path=ppt/slides/slide4.xml><?xml version="1.0" encoding="utf-8"?>
+<file path=ppt/slides/slide5.xml><?xml version="1.0" encoding="utf-8"?>
 <p:sld xmlns:a="http://schemas.openxmlformats.org/drawingml/2006/main" xmlns:r="http://schemas.openxmlformats.org/officeDocument/2006/relationships" xmlns:p="http://schemas.openxmlformats.org/presentationml/2006/main">
   <p:cSld>
     <p:spTree>
@@ -4441,7 +4783,7 @@
           <a:lstStyle/>
           <a:p>
             <a:r>
-              <a:rPr lang="en-US" dirty="0" smtClean="0"/>
+              <a:rPr lang="en-US" dirty="0"/>
               <a:t>Setup</a:t>
             </a:r>
             <a:endParaRPr lang="nl-NL" dirty="0"/>
@@ -4461,7 +4803,7 @@
 </p:sld>
 </file>
 
-<file path=ppt/slides/slide5.xml><?xml version="1.0" encoding="utf-8"?>
+<file path=ppt/slides/slide6.xml><?xml version="1.0" encoding="utf-8"?>
 <p:sld xmlns:a="http://schemas.openxmlformats.org/drawingml/2006/main" xmlns:r="http://schemas.openxmlformats.org/officeDocument/2006/relationships" xmlns:p="http://schemas.openxmlformats.org/presentationml/2006/main">
   <p:cSld>
     <p:spTree>
@@ -4494,7 +4836,7 @@
           <a:lstStyle/>
           <a:p>
             <a:r>
-              <a:rPr lang="en-US" dirty="0" smtClean="0"/>
+              <a:rPr lang="en-US" dirty="0"/>
               <a:t>Dashboard</a:t>
             </a:r>
             <a:endParaRPr lang="nl-NL" dirty="0"/>
@@ -4580,7 +4922,7 @@
 </p:sld>
 </file>
 
-<file path=ppt/slides/slide6.xml><?xml version="1.0" encoding="utf-8"?>
+<file path=ppt/slides/slide7.xml><?xml version="1.0" encoding="utf-8"?>
 <p:sld xmlns:a="http://schemas.openxmlformats.org/drawingml/2006/main" xmlns:r="http://schemas.openxmlformats.org/officeDocument/2006/relationships" xmlns:p="http://schemas.openxmlformats.org/presentationml/2006/main">
   <p:cSld>
     <p:spTree>
@@ -4613,11 +4955,11 @@
           <a:lstStyle/>
           <a:p>
             <a:r>
-              <a:rPr lang="en-US" dirty="0" smtClean="0"/>
+              <a:rPr lang="en-US" dirty="0"/>
               <a:t>Plotter </a:t>
             </a:r>
             <a:r>
-              <a:rPr lang="en-US" dirty="0" err="1" smtClean="0"/>
+              <a:rPr lang="en-US" dirty="0" err="1"/>
               <a:t>Toevoegen</a:t>
             </a:r>
             <a:endParaRPr lang="nl-NL" dirty="0"/>
@@ -4743,7 +5085,7 @@
 </p:sld>
 </file>
 
-<file path=ppt/slides/slide7.xml><?xml version="1.0" encoding="utf-8"?>
+<file path=ppt/slides/slide8.xml><?xml version="1.0" encoding="utf-8"?>
 <p:sld xmlns:a="http://schemas.openxmlformats.org/drawingml/2006/main" xmlns:r="http://schemas.openxmlformats.org/officeDocument/2006/relationships" xmlns:p="http://schemas.openxmlformats.org/presentationml/2006/main">
   <p:cSld>
     <p:spTree>
@@ -4776,11 +5118,11 @@
           <a:lstStyle/>
           <a:p>
             <a:r>
-              <a:rPr lang="en-US" dirty="0" smtClean="0"/>
+              <a:rPr lang="en-US" dirty="0"/>
               <a:t>Plotter </a:t>
             </a:r>
             <a:r>
-              <a:rPr lang="en-US" dirty="0" err="1" smtClean="0"/>
+              <a:rPr lang="en-US" dirty="0" err="1"/>
               <a:t>Toevoegen</a:t>
             </a:r>
             <a:endParaRPr lang="nl-NL" dirty="0"/>
@@ -4906,7 +5248,7 @@
 </p:sld>
 </file>
 
-<file path=ppt/slides/slide8.xml><?xml version="1.0" encoding="utf-8"?>
+<file path=ppt/slides/slide9.xml><?xml version="1.0" encoding="utf-8"?>
 <p:sld xmlns:a="http://schemas.openxmlformats.org/drawingml/2006/main" xmlns:r="http://schemas.openxmlformats.org/officeDocument/2006/relationships" xmlns:p="http://schemas.openxmlformats.org/presentationml/2006/main">
   <p:cSld>
     <p:spTree>
@@ -4939,11 +5281,11 @@
           <a:lstStyle/>
           <a:p>
             <a:r>
-              <a:rPr lang="en-US" dirty="0" err="1" smtClean="0"/>
+              <a:rPr lang="en-US" dirty="0" err="1"/>
               <a:t>Nieuwe</a:t>
             </a:r>
             <a:r>
-              <a:rPr lang="en-US" dirty="0" smtClean="0"/>
+              <a:rPr lang="en-US" dirty="0"/>
               <a:t> Plotter</a:t>
             </a:r>
             <a:endParaRPr lang="nl-NL" dirty="0"/>
@@ -5066,169 +5408,6 @@
     <p:extLst>
       <p:ext uri="{BB962C8B-B14F-4D97-AF65-F5344CB8AC3E}">
         <p14:creationId xmlns:p14="http://schemas.microsoft.com/office/powerpoint/2010/main" val="3266477780"/>
-      </p:ext>
-    </p:extLst>
-  </p:cSld>
-  <p:clrMapOvr>
-    <a:masterClrMapping/>
-  </p:clrMapOvr>
-</p:sld>
-</file>
-
-<file path=ppt/slides/slide9.xml><?xml version="1.0" encoding="utf-8"?>
-<p:sld xmlns:a="http://schemas.openxmlformats.org/drawingml/2006/main" xmlns:r="http://schemas.openxmlformats.org/officeDocument/2006/relationships" xmlns:p="http://schemas.openxmlformats.org/presentationml/2006/main">
-  <p:cSld>
-    <p:spTree>
-      <p:nvGrpSpPr>
-        <p:cNvPr id="1" name=""/>
-        <p:cNvGrpSpPr/>
-        <p:nvPr/>
-      </p:nvGrpSpPr>
-      <p:grpSpPr>
-        <a:xfrm>
-          <a:off x="0" y="0"/>
-          <a:ext cx="0" cy="0"/>
-          <a:chOff x="0" y="0"/>
-          <a:chExt cx="0" cy="0"/>
-        </a:xfrm>
-      </p:grpSpPr>
-      <p:sp>
-        <p:nvSpPr>
-          <p:cNvPr id="2" name="Titel 1"/>
-          <p:cNvSpPr>
-            <a:spLocks noGrp="1"/>
-          </p:cNvSpPr>
-          <p:nvPr>
-            <p:ph type="title"/>
-          </p:nvPr>
-        </p:nvSpPr>
-        <p:spPr/>
-        <p:txBody>
-          <a:bodyPr/>
-          <a:lstStyle/>
-          <a:p>
-            <a:r>
-              <a:rPr lang="en-US" dirty="0" smtClean="0"/>
-              <a:t>Plotter </a:t>
-            </a:r>
-            <a:r>
-              <a:rPr lang="en-US" dirty="0" err="1" smtClean="0"/>
-              <a:t>aanpassen</a:t>
-            </a:r>
-            <a:endParaRPr lang="nl-NL" dirty="0"/>
-          </a:p>
-        </p:txBody>
-      </p:sp>
-      <p:pic>
-        <p:nvPicPr>
-          <p:cNvPr id="5122" name="Picture 2"/>
-          <p:cNvPicPr>
-            <a:picLocks noGrp="1" noChangeAspect="1" noChangeArrowheads="1"/>
-          </p:cNvPicPr>
-          <p:nvPr>
-            <p:ph idx="1"/>
-          </p:nvPr>
-        </p:nvPicPr>
-        <p:blipFill>
-          <a:blip r:embed="rId2">
-            <a:extLst>
-              <a:ext uri="{28A0092B-C50C-407E-A947-70E740481C1C}">
-                <a14:useLocalDpi xmlns:a14="http://schemas.microsoft.com/office/drawing/2010/main" val="0"/>
-              </a:ext>
-            </a:extLst>
-          </a:blip>
-          <a:srcRect/>
-          <a:stretch>
-            <a:fillRect/>
-          </a:stretch>
-        </p:blipFill>
-        <p:spPr bwMode="auto">
-          <a:xfrm>
-            <a:off x="457200" y="2066638"/>
-            <a:ext cx="8229600" cy="3593087"/>
-          </a:xfrm>
-          <a:prstGeom prst="rect">
-            <a:avLst/>
-          </a:prstGeom>
-          <a:noFill/>
-          <a:ln>
-            <a:noFill/>
-          </a:ln>
-          <a:effectLst/>
-          <a:extLst>
-            <a:ext uri="{909E8E84-426E-40DD-AFC4-6F175D3DCCD1}">
-              <a14:hiddenFill xmlns:a14="http://schemas.microsoft.com/office/drawing/2010/main">
-                <a:solidFill>
-                  <a:schemeClr val="accent1"/>
-                </a:solidFill>
-              </a14:hiddenFill>
-            </a:ext>
-            <a:ext uri="{91240B29-F687-4F45-9708-019B960494DF}">
-              <a14:hiddenLine xmlns:a14="http://schemas.microsoft.com/office/drawing/2010/main" w="9525">
-                <a:solidFill>
-                  <a:schemeClr val="tx1"/>
-                </a:solidFill>
-                <a:miter lim="800000"/>
-                <a:headEnd/>
-                <a:tailEnd/>
-              </a14:hiddenLine>
-            </a:ext>
-            <a:ext uri="{AF507438-7753-43E0-B8FC-AC1667EBCBE1}">
-              <a14:hiddenEffects xmlns:a14="http://schemas.microsoft.com/office/drawing/2010/main">
-                <a:effectLst>
-                  <a:outerShdw dist="35921" dir="2700000" algn="ctr" rotWithShape="0">
-                    <a:schemeClr val="bg2"/>
-                  </a:outerShdw>
-                </a:effectLst>
-              </a14:hiddenEffects>
-            </a:ext>
-          </a:extLst>
-        </p:spPr>
-      </p:pic>
-      <p:sp>
-        <p:nvSpPr>
-          <p:cNvPr id="5" name="PIJL-OMLAAG 4"/>
-          <p:cNvSpPr/>
-          <p:nvPr/>
-        </p:nvSpPr>
-        <p:spPr>
-          <a:xfrm>
-            <a:off x="7668344" y="2060848"/>
-            <a:ext cx="792088" cy="1008112"/>
-          </a:xfrm>
-          <a:prstGeom prst="downArrow">
-            <a:avLst/>
-          </a:prstGeom>
-        </p:spPr>
-        <p:style>
-          <a:lnRef idx="2">
-            <a:schemeClr val="accent1">
-              <a:shade val="50000"/>
-            </a:schemeClr>
-          </a:lnRef>
-          <a:fillRef idx="1">
-            <a:schemeClr val="accent1"/>
-          </a:fillRef>
-          <a:effectRef idx="0">
-            <a:schemeClr val="accent1"/>
-          </a:effectRef>
-          <a:fontRef idx="minor">
-            <a:schemeClr val="lt1"/>
-          </a:fontRef>
-        </p:style>
-        <p:txBody>
-          <a:bodyPr rtlCol="0" anchor="ctr"/>
-          <a:lstStyle/>
-          <a:p>
-            <a:pPr algn="ctr"/>
-            <a:endParaRPr lang="nl-NL"/>
-          </a:p>
-        </p:txBody>
-      </p:sp>
-    </p:spTree>
-    <p:extLst>
-      <p:ext uri="{BB962C8B-B14F-4D97-AF65-F5344CB8AC3E}">
-        <p14:creationId xmlns:p14="http://schemas.microsoft.com/office/powerpoint/2010/main" val="2239740549"/>
       </p:ext>
     </p:extLst>
   </p:cSld>
